--- a/files/teaching-resources/monmouthcollege-econ-301/econ-301-s2024/econ-301-s2024-lecture-note/ECON301-S2024-LEC05.pptx
+++ b/files/teaching-resources/monmouthcollege-econ-301/econ-301-s2024/econ-301-s2024-lecture-note/ECON301-S2024-LEC05.pptx
@@ -5,7 +5,7 @@
     <p:sldMasterId id="2147483720" r:id="rId1"/>
   </p:sldMasterIdLst>
   <p:notesMasterIdLst>
-    <p:notesMasterId r:id="rId34"/>
+    <p:notesMasterId r:id="rId35"/>
   </p:notesMasterIdLst>
   <p:sldIdLst>
     <p:sldId id="256" r:id="rId2"/>
@@ -36,10 +36,11 @@
     <p:sldId id="353" r:id="rId27"/>
     <p:sldId id="356" r:id="rId28"/>
     <p:sldId id="354" r:id="rId29"/>
-    <p:sldId id="357" r:id="rId30"/>
-    <p:sldId id="358" r:id="rId31"/>
-    <p:sldId id="359" r:id="rId32"/>
-    <p:sldId id="360" r:id="rId33"/>
+    <p:sldId id="368" r:id="rId30"/>
+    <p:sldId id="357" r:id="rId31"/>
+    <p:sldId id="358" r:id="rId32"/>
+    <p:sldId id="359" r:id="rId33"/>
+    <p:sldId id="360" r:id="rId34"/>
   </p:sldIdLst>
   <p:sldSz cx="9144000" cy="6858000" type="screen4x3"/>
   <p:notesSz cx="6858000" cy="9144000"/>
@@ -228,7 +229,7 @@
           <a:p>
             <a:fld id="{0E0A6441-4E79-42FF-805B-86C90BDFD38D}" type="datetimeFigureOut">
               <a:rPr lang="en-US" smtClean="0"/>
-              <a:t>2/13/2024</a:t>
+              <a:t>2/14/2024</a:t>
             </a:fld>
             <a:endParaRPr lang="en-US" dirty="0"/>
           </a:p>
@@ -20782,6 +20783,76 @@
                                   </p:childTnLst>
                                 </p:cTn>
                               </p:par>
+                              <p:par>
+                                <p:cTn id="40" presetID="10" presetClass="entr" presetSubtype="0" fill="hold" grpId="0" nodeType="withEffect">
+                                  <p:stCondLst>
+                                    <p:cond delay="0"/>
+                                  </p:stCondLst>
+                                  <p:childTnLst>
+                                    <p:set>
+                                      <p:cBhvr>
+                                        <p:cTn id="41" dur="1" fill="hold">
+                                          <p:stCondLst>
+                                            <p:cond delay="0"/>
+                                          </p:stCondLst>
+                                        </p:cTn>
+                                        <p:tgtEl>
+                                          <p:spTgt spid="22"/>
+                                        </p:tgtEl>
+                                        <p:attrNameLst>
+                                          <p:attrName>style.visibility</p:attrName>
+                                        </p:attrNameLst>
+                                      </p:cBhvr>
+                                      <p:to>
+                                        <p:strVal val="visible"/>
+                                      </p:to>
+                                    </p:set>
+                                    <p:animEffect transition="in" filter="fade">
+                                      <p:cBhvr>
+                                        <p:cTn id="42" dur="500"/>
+                                        <p:tgtEl>
+                                          <p:spTgt spid="22"/>
+                                        </p:tgtEl>
+                                      </p:cBhvr>
+                                    </p:animEffect>
+                                  </p:childTnLst>
+                                </p:cTn>
+                              </p:par>
+                              <p:par>
+                                <p:cTn id="43" presetID="10" presetClass="entr" presetSubtype="0" fill="hold" nodeType="withEffect">
+                                  <p:stCondLst>
+                                    <p:cond delay="0"/>
+                                  </p:stCondLst>
+                                  <p:childTnLst>
+                                    <p:set>
+                                      <p:cBhvr>
+                                        <p:cTn id="44" dur="1" fill="hold">
+                                          <p:stCondLst>
+                                            <p:cond delay="0"/>
+                                          </p:stCondLst>
+                                        </p:cTn>
+                                        <p:tgtEl>
+                                          <p:spTgt spid="26"/>
+                                        </p:tgtEl>
+                                        <p:attrNameLst>
+                                          <p:attrName>style.visibility</p:attrName>
+                                        </p:attrNameLst>
+                                      </p:cBhvr>
+                                      <p:to>
+                                        <p:strVal val="visible"/>
+                                      </p:to>
+                                    </p:set>
+                                    <p:animEffect transition="in" filter="fade">
+                                      <p:cBhvr>
+                                        <p:cTn id="45" dur="500"/>
+                                        <p:tgtEl>
+                                          <p:spTgt spid="26"/>
+                                        </p:tgtEl>
+                                      </p:cBhvr>
+                                    </p:animEffect>
+                                  </p:childTnLst>
+                                </p:cTn>
+                              </p:par>
                             </p:childTnLst>
                           </p:cTn>
                         </p:par>
@@ -20812,6 +20883,7 @@
     <p:bldLst>
       <p:bldP spid="19" grpId="0" animBg="1"/>
       <p:bldP spid="21" grpId="0"/>
+      <p:bldP spid="22" grpId="0" animBg="1"/>
       <p:bldP spid="29" grpId="0"/>
     </p:bldLst>
   </p:timing>
@@ -22087,6 +22159,9 @@
                     <p:cTn id="3" fill="hold">
                       <p:stCondLst>
                         <p:cond delay="indefinite"/>
+                        <p:cond evt="onBegin" delay="0">
+                          <p:tn val="2"/>
+                        </p:cond>
                       </p:stCondLst>
                       <p:childTnLst>
                         <p:par>
@@ -22096,7 +22171,7 @@
                             </p:stCondLst>
                             <p:childTnLst>
                               <p:par>
-                                <p:cTn id="5" presetID="10" presetClass="entr" presetSubtype="0" fill="hold" nodeType="clickEffect">
+                                <p:cTn id="5" presetID="10" presetClass="entr" presetSubtype="0" fill="hold" nodeType="withEffect">
                                   <p:stCondLst>
                                     <p:cond delay="0"/>
                                   </p:stCondLst>
@@ -22111,7 +22186,7 @@
                                         <p:tgtEl>
                                           <p:spTgt spid="4">
                                             <p:txEl>
-                                              <p:pRg st="4" end="4"/>
+                                              <p:pRg st="0" end="0"/>
                                             </p:txEl>
                                           </p:spTgt>
                                         </p:tgtEl>
@@ -22129,7 +22204,7 @@
                                         <p:tgtEl>
                                           <p:spTgt spid="4">
                                             <p:txEl>
-                                              <p:pRg st="4" end="4"/>
+                                              <p:pRg st="0" end="0"/>
                                             </p:txEl>
                                           </p:spTgt>
                                         </p:tgtEl>
@@ -22172,7 +22247,7 @@
                                         <p:tgtEl>
                                           <p:spTgt spid="4">
                                             <p:txEl>
-                                              <p:pRg st="0" end="0"/>
+                                              <p:pRg st="2" end="2"/>
                                             </p:txEl>
                                           </p:spTgt>
                                         </p:tgtEl>
@@ -22190,7 +22265,7 @@
                                         <p:tgtEl>
                                           <p:spTgt spid="4">
                                             <p:txEl>
-                                              <p:pRg st="0" end="0"/>
+                                              <p:pRg st="2" end="2"/>
                                             </p:txEl>
                                           </p:spTgt>
                                         </p:tgtEl>
@@ -22233,7 +22308,7 @@
                                         <p:tgtEl>
                                           <p:spTgt spid="4">
                                             <p:txEl>
-                                              <p:pRg st="2" end="2"/>
+                                              <p:pRg st="4" end="4"/>
                                             </p:txEl>
                                           </p:spTgt>
                                         </p:tgtEl>
@@ -22251,184 +22326,9 @@
                                         <p:tgtEl>
                                           <p:spTgt spid="4">
                                             <p:txEl>
-                                              <p:pRg st="2" end="2"/>
+                                              <p:pRg st="4" end="4"/>
                                             </p:txEl>
                                           </p:spTgt>
-                                        </p:tgtEl>
-                                      </p:cBhvr>
-                                    </p:animEffect>
-                                  </p:childTnLst>
-                                </p:cTn>
-                              </p:par>
-                              <p:par>
-                                <p:cTn id="18" presetID="10" presetClass="entr" presetSubtype="0" fill="hold" grpId="0" nodeType="withEffect">
-                                  <p:stCondLst>
-                                    <p:cond delay="0"/>
-                                  </p:stCondLst>
-                                  <p:childTnLst>
-                                    <p:set>
-                                      <p:cBhvr>
-                                        <p:cTn id="19" dur="1" fill="hold">
-                                          <p:stCondLst>
-                                            <p:cond delay="0"/>
-                                          </p:stCondLst>
-                                        </p:cTn>
-                                        <p:tgtEl>
-                                          <p:spTgt spid="19"/>
-                                        </p:tgtEl>
-                                        <p:attrNameLst>
-                                          <p:attrName>style.visibility</p:attrName>
-                                        </p:attrNameLst>
-                                      </p:cBhvr>
-                                      <p:to>
-                                        <p:strVal val="visible"/>
-                                      </p:to>
-                                    </p:set>
-                                    <p:animEffect transition="in" filter="fade">
-                                      <p:cBhvr>
-                                        <p:cTn id="20" dur="500"/>
-                                        <p:tgtEl>
-                                          <p:spTgt spid="19"/>
-                                        </p:tgtEl>
-                                      </p:cBhvr>
-                                    </p:animEffect>
-                                  </p:childTnLst>
-                                </p:cTn>
-                              </p:par>
-                              <p:par>
-                                <p:cTn id="21" presetID="10" presetClass="entr" presetSubtype="0" fill="hold" grpId="0" nodeType="withEffect">
-                                  <p:stCondLst>
-                                    <p:cond delay="0"/>
-                                  </p:stCondLst>
-                                  <p:childTnLst>
-                                    <p:set>
-                                      <p:cBhvr>
-                                        <p:cTn id="22" dur="1" fill="hold">
-                                          <p:stCondLst>
-                                            <p:cond delay="0"/>
-                                          </p:stCondLst>
-                                        </p:cTn>
-                                        <p:tgtEl>
-                                          <p:spTgt spid="21"/>
-                                        </p:tgtEl>
-                                        <p:attrNameLst>
-                                          <p:attrName>style.visibility</p:attrName>
-                                        </p:attrNameLst>
-                                      </p:cBhvr>
-                                      <p:to>
-                                        <p:strVal val="visible"/>
-                                      </p:to>
-                                    </p:set>
-                                    <p:animEffect transition="in" filter="fade">
-                                      <p:cBhvr>
-                                        <p:cTn id="23" dur="500"/>
-                                        <p:tgtEl>
-                                          <p:spTgt spid="21"/>
-                                        </p:tgtEl>
-                                      </p:cBhvr>
-                                    </p:animEffect>
-                                  </p:childTnLst>
-                                </p:cTn>
-                              </p:par>
-                              <p:par>
-                                <p:cTn id="24" presetID="10" presetClass="entr" presetSubtype="0" fill="hold" nodeType="withEffect">
-                                  <p:stCondLst>
-                                    <p:cond delay="0"/>
-                                  </p:stCondLst>
-                                  <p:childTnLst>
-                                    <p:set>
-                                      <p:cBhvr>
-                                        <p:cTn id="25" dur="1" fill="hold">
-                                          <p:stCondLst>
-                                            <p:cond delay="0"/>
-                                          </p:stCondLst>
-                                        </p:cTn>
-                                        <p:tgtEl>
-                                          <p:spTgt spid="28"/>
-                                        </p:tgtEl>
-                                        <p:attrNameLst>
-                                          <p:attrName>style.visibility</p:attrName>
-                                        </p:attrNameLst>
-                                      </p:cBhvr>
-                                      <p:to>
-                                        <p:strVal val="visible"/>
-                                      </p:to>
-                                    </p:set>
-                                    <p:animEffect transition="in" filter="fade">
-                                      <p:cBhvr>
-                                        <p:cTn id="26" dur="500"/>
-                                        <p:tgtEl>
-                                          <p:spTgt spid="28"/>
-                                        </p:tgtEl>
-                                      </p:cBhvr>
-                                    </p:animEffect>
-                                  </p:childTnLst>
-                                </p:cTn>
-                              </p:par>
-                              <p:par>
-                                <p:cTn id="27" presetID="10" presetClass="entr" presetSubtype="0" fill="hold" grpId="0" nodeType="withEffect">
-                                  <p:stCondLst>
-                                    <p:cond delay="0"/>
-                                  </p:stCondLst>
-                                  <p:childTnLst>
-                                    <p:set>
-                                      <p:cBhvr>
-                                        <p:cTn id="28" dur="1" fill="hold">
-                                          <p:stCondLst>
-                                            <p:cond delay="0"/>
-                                          </p:stCondLst>
-                                        </p:cTn>
-                                        <p:tgtEl>
-                                          <p:spTgt spid="29"/>
-                                        </p:tgtEl>
-                                        <p:attrNameLst>
-                                          <p:attrName>style.visibility</p:attrName>
-                                        </p:attrNameLst>
-                                      </p:cBhvr>
-                                      <p:to>
-                                        <p:strVal val="visible"/>
-                                      </p:to>
-                                    </p:set>
-                                    <p:animEffect transition="in" filter="fade">
-                                      <p:cBhvr>
-                                        <p:cTn id="29" dur="500"/>
-                                        <p:tgtEl>
-                                          <p:spTgt spid="29"/>
-                                        </p:tgtEl>
-                                      </p:cBhvr>
-                                    </p:animEffect>
-                                  </p:childTnLst>
-                                </p:cTn>
-                              </p:par>
-                              <p:par>
-                                <p:cTn id="30" presetID="10" presetClass="entr" presetSubtype="0" fill="hold" grpId="0" nodeType="withEffect">
-                                  <p:stCondLst>
-                                    <p:cond delay="0"/>
-                                  </p:stCondLst>
-                                  <p:childTnLst>
-                                    <p:set>
-                                      <p:cBhvr>
-                                        <p:cTn id="31" dur="1" fill="hold">
-                                          <p:stCondLst>
-                                            <p:cond delay="0"/>
-                                          </p:stCondLst>
-                                        </p:cTn>
-                                        <p:tgtEl>
-                                          <p:spTgt spid="3"/>
-                                        </p:tgtEl>
-                                        <p:attrNameLst>
-                                          <p:attrName>style.visibility</p:attrName>
-                                        </p:attrNameLst>
-                                      </p:cBhvr>
-                                      <p:to>
-                                        <p:strVal val="visible"/>
-                                      </p:to>
-                                    </p:set>
-                                    <p:animEffect transition="in" filter="fade">
-                                      <p:cBhvr>
-                                        <p:cTn id="32" dur="500"/>
-                                        <p:tgtEl>
-                                          <p:spTgt spid="3"/>
                                         </p:tgtEl>
                                       </p:cBhvr>
                                     </p:animEffect>
@@ -22462,12 +22362,6 @@
         </p:cTn>
       </p:par>
     </p:tnLst>
-    <p:bldLst>
-      <p:bldP spid="19" grpId="0" animBg="1"/>
-      <p:bldP spid="21" grpId="0"/>
-      <p:bldP spid="29" grpId="0"/>
-      <p:bldP spid="3" grpId="0"/>
-    </p:bldLst>
   </p:timing>
 </p:sld>
 </file>
@@ -25939,6 +25833,41 @@
                                   </p:childTnLst>
                                 </p:cTn>
                               </p:par>
+                              <p:par>
+                                <p:cTn id="37" presetID="10" presetClass="entr" presetSubtype="0" fill="hold" grpId="0" nodeType="withEffect">
+                                  <p:stCondLst>
+                                    <p:cond delay="0"/>
+                                  </p:stCondLst>
+                                  <p:childTnLst>
+                                    <p:set>
+                                      <p:cBhvr>
+                                        <p:cTn id="38" dur="1" fill="hold">
+                                          <p:stCondLst>
+                                            <p:cond delay="0"/>
+                                          </p:stCondLst>
+                                        </p:cTn>
+                                        <p:tgtEl>
+                                          <p:spTgt spid="11"/>
+                                        </p:tgtEl>
+                                        <p:attrNameLst>
+                                          <p:attrName>style.visibility</p:attrName>
+                                        </p:attrNameLst>
+                                      </p:cBhvr>
+                                      <p:to>
+                                        <p:strVal val="visible"/>
+                                      </p:to>
+                                    </p:set>
+                                    <p:animEffect transition="in" filter="fade">
+                                      <p:cBhvr>
+                                        <p:cTn id="39" dur="500"/>
+                                        <p:tgtEl>
+                                          <p:spTgt spid="11"/>
+                                        </p:tgtEl>
+                                      </p:cBhvr>
+                                    </p:animEffect>
+                                  </p:childTnLst>
+                                </p:cTn>
+                              </p:par>
                             </p:childTnLst>
                           </p:cTn>
                         </p:par>
@@ -25946,26 +25875,26 @@
                     </p:cTn>
                   </p:par>
                   <p:par>
-                    <p:cTn id="37" fill="hold">
+                    <p:cTn id="40" fill="hold">
                       <p:stCondLst>
                         <p:cond delay="indefinite"/>
                       </p:stCondLst>
                       <p:childTnLst>
                         <p:par>
-                          <p:cTn id="38" fill="hold">
+                          <p:cTn id="41" fill="hold">
                             <p:stCondLst>
                               <p:cond delay="0"/>
                             </p:stCondLst>
                             <p:childTnLst>
                               <p:par>
-                                <p:cTn id="39" presetID="10" presetClass="entr" presetSubtype="0" fill="hold" nodeType="clickEffect">
+                                <p:cTn id="42" presetID="10" presetClass="entr" presetSubtype="0" fill="hold" nodeType="clickEffect">
                                   <p:stCondLst>
                                     <p:cond delay="0"/>
                                   </p:stCondLst>
                                   <p:childTnLst>
                                     <p:set>
                                       <p:cBhvr>
-                                        <p:cTn id="40" dur="1" fill="hold">
+                                        <p:cTn id="43" dur="1" fill="hold">
                                           <p:stCondLst>
                                             <p:cond delay="0"/>
                                           </p:stCondLst>
@@ -25987,13 +25916,188 @@
                                     </p:set>
                                     <p:animEffect transition="in" filter="fade">
                                       <p:cBhvr>
-                                        <p:cTn id="41" dur="500"/>
+                                        <p:cTn id="44" dur="500"/>
                                         <p:tgtEl>
                                           <p:spTgt spid="4">
                                             <p:txEl>
                                               <p:pRg st="8" end="8"/>
                                             </p:txEl>
                                           </p:spTgt>
+                                        </p:tgtEl>
+                                      </p:cBhvr>
+                                    </p:animEffect>
+                                  </p:childTnLst>
+                                </p:cTn>
+                              </p:par>
+                              <p:par>
+                                <p:cTn id="45" presetID="10" presetClass="entr" presetSubtype="0" fill="hold" grpId="0" nodeType="withEffect">
+                                  <p:stCondLst>
+                                    <p:cond delay="0"/>
+                                  </p:stCondLst>
+                                  <p:childTnLst>
+                                    <p:set>
+                                      <p:cBhvr>
+                                        <p:cTn id="46" dur="1" fill="hold">
+                                          <p:stCondLst>
+                                            <p:cond delay="0"/>
+                                          </p:stCondLst>
+                                        </p:cTn>
+                                        <p:tgtEl>
+                                          <p:spTgt spid="14"/>
+                                        </p:tgtEl>
+                                        <p:attrNameLst>
+                                          <p:attrName>style.visibility</p:attrName>
+                                        </p:attrNameLst>
+                                      </p:cBhvr>
+                                      <p:to>
+                                        <p:strVal val="visible"/>
+                                      </p:to>
+                                    </p:set>
+                                    <p:animEffect transition="in" filter="fade">
+                                      <p:cBhvr>
+                                        <p:cTn id="47" dur="500"/>
+                                        <p:tgtEl>
+                                          <p:spTgt spid="14"/>
+                                        </p:tgtEl>
+                                      </p:cBhvr>
+                                    </p:animEffect>
+                                  </p:childTnLst>
+                                </p:cTn>
+                              </p:par>
+                              <p:par>
+                                <p:cTn id="48" presetID="10" presetClass="entr" presetSubtype="0" fill="hold" grpId="0" nodeType="withEffect">
+                                  <p:stCondLst>
+                                    <p:cond delay="0"/>
+                                  </p:stCondLst>
+                                  <p:childTnLst>
+                                    <p:set>
+                                      <p:cBhvr>
+                                        <p:cTn id="49" dur="1" fill="hold">
+                                          <p:stCondLst>
+                                            <p:cond delay="0"/>
+                                          </p:stCondLst>
+                                        </p:cTn>
+                                        <p:tgtEl>
+                                          <p:spTgt spid="15"/>
+                                        </p:tgtEl>
+                                        <p:attrNameLst>
+                                          <p:attrName>style.visibility</p:attrName>
+                                        </p:attrNameLst>
+                                      </p:cBhvr>
+                                      <p:to>
+                                        <p:strVal val="visible"/>
+                                      </p:to>
+                                    </p:set>
+                                    <p:animEffect transition="in" filter="fade">
+                                      <p:cBhvr>
+                                        <p:cTn id="50" dur="500"/>
+                                        <p:tgtEl>
+                                          <p:spTgt spid="15"/>
+                                        </p:tgtEl>
+                                      </p:cBhvr>
+                                    </p:animEffect>
+                                  </p:childTnLst>
+                                </p:cTn>
+                              </p:par>
+                              <p:par>
+                                <p:cTn id="51" presetID="10" presetClass="entr" presetSubtype="0" fill="hold" nodeType="withEffect">
+                                  <p:stCondLst>
+                                    <p:cond delay="0"/>
+                                  </p:stCondLst>
+                                  <p:childTnLst>
+                                    <p:set>
+                                      <p:cBhvr>
+                                        <p:cTn id="52" dur="1" fill="hold">
+                                          <p:stCondLst>
+                                            <p:cond delay="0"/>
+                                          </p:stCondLst>
+                                        </p:cTn>
+                                        <p:tgtEl>
+                                          <p:spTgt spid="16"/>
+                                        </p:tgtEl>
+                                        <p:attrNameLst>
+                                          <p:attrName>style.visibility</p:attrName>
+                                        </p:attrNameLst>
+                                      </p:cBhvr>
+                                      <p:to>
+                                        <p:strVal val="visible"/>
+                                      </p:to>
+                                    </p:set>
+                                    <p:animEffect transition="in" filter="fade">
+                                      <p:cBhvr>
+                                        <p:cTn id="53" dur="500"/>
+                                        <p:tgtEl>
+                                          <p:spTgt spid="16"/>
+                                        </p:tgtEl>
+                                      </p:cBhvr>
+                                    </p:animEffect>
+                                  </p:childTnLst>
+                                </p:cTn>
+                              </p:par>
+                              <p:par>
+                                <p:cTn id="54" presetID="10" presetClass="entr" presetSubtype="0" fill="hold" nodeType="withEffect">
+                                  <p:stCondLst>
+                                    <p:cond delay="0"/>
+                                  </p:stCondLst>
+                                  <p:childTnLst>
+                                    <p:set>
+                                      <p:cBhvr>
+                                        <p:cTn id="55" dur="1" fill="hold">
+                                          <p:stCondLst>
+                                            <p:cond delay="0"/>
+                                          </p:stCondLst>
+                                        </p:cTn>
+                                        <p:tgtEl>
+                                          <p:spTgt spid="32"/>
+                                        </p:tgtEl>
+                                        <p:attrNameLst>
+                                          <p:attrName>style.visibility</p:attrName>
+                                        </p:attrNameLst>
+                                      </p:cBhvr>
+                                      <p:to>
+                                        <p:strVal val="visible"/>
+                                      </p:to>
+                                    </p:set>
+                                    <p:animEffect transition="in" filter="fade">
+                                      <p:cBhvr>
+                                        <p:cTn id="56" dur="500"/>
+                                        <p:tgtEl>
+                                          <p:spTgt spid="32"/>
+                                        </p:tgtEl>
+                                      </p:cBhvr>
+                                    </p:animEffect>
+                                  </p:childTnLst>
+                                </p:cTn>
+                              </p:par>
+                              <p:par>
+                                <p:cTn id="57" presetID="10" presetClass="entr" presetSubtype="0" fill="hold" grpId="0" nodeType="withEffect">
+                                  <p:stCondLst>
+                                    <p:cond delay="0"/>
+                                  </p:stCondLst>
+                                  <p:childTnLst>
+                                    <p:set>
+                                      <p:cBhvr>
+                                        <p:cTn id="58" dur="1" fill="hold">
+                                          <p:stCondLst>
+                                            <p:cond delay="0"/>
+                                          </p:stCondLst>
+                                        </p:cTn>
+                                        <p:tgtEl>
+                                          <p:spTgt spid="33"/>
+                                        </p:tgtEl>
+                                        <p:attrNameLst>
+                                          <p:attrName>style.visibility</p:attrName>
+                                        </p:attrNameLst>
+                                      </p:cBhvr>
+                                      <p:to>
+                                        <p:strVal val="visible"/>
+                                      </p:to>
+                                    </p:set>
+                                    <p:animEffect transition="in" filter="fade">
+                                      <p:cBhvr>
+                                        <p:cTn id="59" dur="500"/>
+                                        <p:tgtEl>
+                                          <p:spTgt spid="33"/>
                                         </p:tgtEl>
                                       </p:cBhvr>
                                     </p:animEffect>
@@ -26029,6 +26133,10 @@
     </p:tnLst>
     <p:bldLst>
       <p:bldP spid="9" grpId="0"/>
+      <p:bldP spid="11" grpId="0"/>
+      <p:bldP spid="14" grpId="0" animBg="1"/>
+      <p:bldP spid="15" grpId="0"/>
+      <p:bldP spid="33" grpId="0"/>
     </p:bldLst>
   </p:timing>
 </p:sld>
@@ -26587,15 +26695,33 @@
                                   </p:childTnLst>
                                 </p:cTn>
                               </p:par>
+                            </p:childTnLst>
+                          </p:cTn>
+                        </p:par>
+                      </p:childTnLst>
+                    </p:cTn>
+                  </p:par>
+                  <p:par>
+                    <p:cTn id="8" fill="hold">
+                      <p:stCondLst>
+                        <p:cond delay="indefinite"/>
+                      </p:stCondLst>
+                      <p:childTnLst>
+                        <p:par>
+                          <p:cTn id="9" fill="hold">
+                            <p:stCondLst>
+                              <p:cond delay="0"/>
+                            </p:stCondLst>
+                            <p:childTnLst>
                               <p:par>
-                                <p:cTn id="8" presetID="10" presetClass="entr" presetSubtype="0" fill="hold" grpId="0" nodeType="withEffect">
+                                <p:cTn id="10" presetID="10" presetClass="entr" presetSubtype="0" fill="hold" grpId="0" nodeType="clickEffect">
                                   <p:stCondLst>
                                     <p:cond delay="0"/>
                                   </p:stCondLst>
                                   <p:childTnLst>
                                     <p:set>
                                       <p:cBhvr>
-                                        <p:cTn id="9" dur="1" fill="hold">
+                                        <p:cTn id="11" dur="1" fill="hold">
                                           <p:stCondLst>
                                             <p:cond delay="0"/>
                                           </p:stCondLst>
@@ -26617,7 +26743,7 @@
                                     </p:set>
                                     <p:animEffect transition="in" filter="fade">
                                       <p:cBhvr>
-                                        <p:cTn id="10" dur="500"/>
+                                        <p:cTn id="12" dur="500"/>
                                         <p:tgtEl>
                                           <p:spTgt spid="3">
                                             <p:txEl>
@@ -26630,15 +26756,33 @@
                                   </p:childTnLst>
                                 </p:cTn>
                               </p:par>
+                            </p:childTnLst>
+                          </p:cTn>
+                        </p:par>
+                      </p:childTnLst>
+                    </p:cTn>
+                  </p:par>
+                  <p:par>
+                    <p:cTn id="13" fill="hold">
+                      <p:stCondLst>
+                        <p:cond delay="indefinite"/>
+                      </p:stCondLst>
+                      <p:childTnLst>
+                        <p:par>
+                          <p:cTn id="14" fill="hold">
+                            <p:stCondLst>
+                              <p:cond delay="0"/>
+                            </p:stCondLst>
+                            <p:childTnLst>
                               <p:par>
-                                <p:cTn id="11" presetID="10" presetClass="entr" presetSubtype="0" fill="hold" grpId="0" nodeType="withEffect">
+                                <p:cTn id="15" presetID="10" presetClass="entr" presetSubtype="0" fill="hold" grpId="0" nodeType="clickEffect">
                                   <p:stCondLst>
                                     <p:cond delay="0"/>
                                   </p:stCondLst>
                                   <p:childTnLst>
                                     <p:set>
                                       <p:cBhvr>
-                                        <p:cTn id="12" dur="1" fill="hold">
+                                        <p:cTn id="16" dur="1" fill="hold">
                                           <p:stCondLst>
                                             <p:cond delay="0"/>
                                           </p:stCondLst>
@@ -26660,7 +26804,7 @@
                                     </p:set>
                                     <p:animEffect transition="in" filter="fade">
                                       <p:cBhvr>
-                                        <p:cTn id="13" dur="500"/>
+                                        <p:cTn id="17" dur="500"/>
                                         <p:tgtEl>
                                           <p:spTgt spid="3">
                                             <p:txEl>
@@ -26673,15 +26817,33 @@
                                   </p:childTnLst>
                                 </p:cTn>
                               </p:par>
+                            </p:childTnLst>
+                          </p:cTn>
+                        </p:par>
+                      </p:childTnLst>
+                    </p:cTn>
+                  </p:par>
+                  <p:par>
+                    <p:cTn id="18" fill="hold">
+                      <p:stCondLst>
+                        <p:cond delay="indefinite"/>
+                      </p:stCondLst>
+                      <p:childTnLst>
+                        <p:par>
+                          <p:cTn id="19" fill="hold">
+                            <p:stCondLst>
+                              <p:cond delay="0"/>
+                            </p:stCondLst>
+                            <p:childTnLst>
                               <p:par>
-                                <p:cTn id="14" presetID="10" presetClass="entr" presetSubtype="0" fill="hold" grpId="0" nodeType="withEffect">
+                                <p:cTn id="20" presetID="10" presetClass="entr" presetSubtype="0" fill="hold" grpId="0" nodeType="clickEffect">
                                   <p:stCondLst>
                                     <p:cond delay="0"/>
                                   </p:stCondLst>
                                   <p:childTnLst>
                                     <p:set>
                                       <p:cBhvr>
-                                        <p:cTn id="15" dur="1" fill="hold">
+                                        <p:cTn id="21" dur="1" fill="hold">
                                           <p:stCondLst>
                                             <p:cond delay="0"/>
                                           </p:stCondLst>
@@ -26703,7 +26865,7 @@
                                     </p:set>
                                     <p:animEffect transition="in" filter="fade">
                                       <p:cBhvr>
-                                        <p:cTn id="16" dur="500"/>
+                                        <p:cTn id="22" dur="500"/>
                                         <p:tgtEl>
                                           <p:spTgt spid="3">
                                             <p:txEl>
@@ -26716,15 +26878,33 @@
                                   </p:childTnLst>
                                 </p:cTn>
                               </p:par>
+                            </p:childTnLst>
+                          </p:cTn>
+                        </p:par>
+                      </p:childTnLst>
+                    </p:cTn>
+                  </p:par>
+                  <p:par>
+                    <p:cTn id="23" fill="hold">
+                      <p:stCondLst>
+                        <p:cond delay="indefinite"/>
+                      </p:stCondLst>
+                      <p:childTnLst>
+                        <p:par>
+                          <p:cTn id="24" fill="hold">
+                            <p:stCondLst>
+                              <p:cond delay="0"/>
+                            </p:stCondLst>
+                            <p:childTnLst>
                               <p:par>
-                                <p:cTn id="17" presetID="10" presetClass="entr" presetSubtype="0" fill="hold" grpId="0" nodeType="withEffect">
+                                <p:cTn id="25" presetID="10" presetClass="entr" presetSubtype="0" fill="hold" grpId="0" nodeType="clickEffect">
                                   <p:stCondLst>
                                     <p:cond delay="0"/>
                                   </p:stCondLst>
                                   <p:childTnLst>
                                     <p:set>
                                       <p:cBhvr>
-                                        <p:cTn id="18" dur="1" fill="hold">
+                                        <p:cTn id="26" dur="1" fill="hold">
                                           <p:stCondLst>
                                             <p:cond delay="0"/>
                                           </p:stCondLst>
@@ -26746,7 +26926,7 @@
                                     </p:set>
                                     <p:animEffect transition="in" filter="fade">
                                       <p:cBhvr>
-                                        <p:cTn id="19" dur="500"/>
+                                        <p:cTn id="27" dur="500"/>
                                         <p:tgtEl>
                                           <p:spTgt spid="3">
                                             <p:txEl>
@@ -30034,15 +30214,33 @@
                                   </p:childTnLst>
                                 </p:cTn>
                               </p:par>
+                            </p:childTnLst>
+                          </p:cTn>
+                        </p:par>
+                      </p:childTnLst>
+                    </p:cTn>
+                  </p:par>
+                  <p:par>
+                    <p:cTn id="8" fill="hold">
+                      <p:stCondLst>
+                        <p:cond delay="indefinite"/>
+                      </p:stCondLst>
+                      <p:childTnLst>
+                        <p:par>
+                          <p:cTn id="9" fill="hold">
+                            <p:stCondLst>
+                              <p:cond delay="0"/>
+                            </p:stCondLst>
+                            <p:childTnLst>
                               <p:par>
-                                <p:cTn id="8" presetID="10" presetClass="entr" presetSubtype="0" fill="hold" grpId="0" nodeType="withEffect">
+                                <p:cTn id="10" presetID="10" presetClass="entr" presetSubtype="0" fill="hold" grpId="0" nodeType="clickEffect">
                                   <p:stCondLst>
                                     <p:cond delay="0"/>
                                   </p:stCondLst>
                                   <p:childTnLst>
                                     <p:set>
                                       <p:cBhvr>
-                                        <p:cTn id="9" dur="1" fill="hold">
+                                        <p:cTn id="11" dur="1" fill="hold">
                                           <p:stCondLst>
                                             <p:cond delay="0"/>
                                           </p:stCondLst>
@@ -30064,7 +30262,7 @@
                                     </p:set>
                                     <p:animEffect transition="in" filter="fade">
                                       <p:cBhvr>
-                                        <p:cTn id="10" dur="500"/>
+                                        <p:cTn id="12" dur="500"/>
                                         <p:tgtEl>
                                           <p:spTgt spid="3">
                                             <p:txEl>
@@ -30077,15 +30275,33 @@
                                   </p:childTnLst>
                                 </p:cTn>
                               </p:par>
+                            </p:childTnLst>
+                          </p:cTn>
+                        </p:par>
+                      </p:childTnLst>
+                    </p:cTn>
+                  </p:par>
+                  <p:par>
+                    <p:cTn id="13" fill="hold">
+                      <p:stCondLst>
+                        <p:cond delay="indefinite"/>
+                      </p:stCondLst>
+                      <p:childTnLst>
+                        <p:par>
+                          <p:cTn id="14" fill="hold">
+                            <p:stCondLst>
+                              <p:cond delay="0"/>
+                            </p:stCondLst>
+                            <p:childTnLst>
                               <p:par>
-                                <p:cTn id="11" presetID="10" presetClass="entr" presetSubtype="0" fill="hold" grpId="0" nodeType="withEffect">
+                                <p:cTn id="15" presetID="10" presetClass="entr" presetSubtype="0" fill="hold" grpId="0" nodeType="clickEffect">
                                   <p:stCondLst>
                                     <p:cond delay="0"/>
                                   </p:stCondLst>
                                   <p:childTnLst>
                                     <p:set>
                                       <p:cBhvr>
-                                        <p:cTn id="12" dur="1" fill="hold">
+                                        <p:cTn id="16" dur="1" fill="hold">
                                           <p:stCondLst>
                                             <p:cond delay="0"/>
                                           </p:stCondLst>
@@ -30107,7 +30323,7 @@
                                     </p:set>
                                     <p:animEffect transition="in" filter="fade">
                                       <p:cBhvr>
-                                        <p:cTn id="13" dur="500"/>
+                                        <p:cTn id="17" dur="500"/>
                                         <p:tgtEl>
                                           <p:spTgt spid="3">
                                             <p:txEl>
@@ -30120,15 +30336,33 @@
                                   </p:childTnLst>
                                 </p:cTn>
                               </p:par>
+                            </p:childTnLst>
+                          </p:cTn>
+                        </p:par>
+                      </p:childTnLst>
+                    </p:cTn>
+                  </p:par>
+                  <p:par>
+                    <p:cTn id="18" fill="hold">
+                      <p:stCondLst>
+                        <p:cond delay="indefinite"/>
+                      </p:stCondLst>
+                      <p:childTnLst>
+                        <p:par>
+                          <p:cTn id="19" fill="hold">
+                            <p:stCondLst>
+                              <p:cond delay="0"/>
+                            </p:stCondLst>
+                            <p:childTnLst>
                               <p:par>
-                                <p:cTn id="14" presetID="10" presetClass="entr" presetSubtype="0" fill="hold" grpId="0" nodeType="withEffect">
+                                <p:cTn id="20" presetID="10" presetClass="entr" presetSubtype="0" fill="hold" grpId="0" nodeType="clickEffect">
                                   <p:stCondLst>
                                     <p:cond delay="0"/>
                                   </p:stCondLst>
                                   <p:childTnLst>
                                     <p:set>
                                       <p:cBhvr>
-                                        <p:cTn id="15" dur="1" fill="hold">
+                                        <p:cTn id="21" dur="1" fill="hold">
                                           <p:stCondLst>
                                             <p:cond delay="0"/>
                                           </p:stCondLst>
@@ -30150,7 +30384,7 @@
                                     </p:set>
                                     <p:animEffect transition="in" filter="fade">
                                       <p:cBhvr>
-                                        <p:cTn id="16" dur="500"/>
+                                        <p:cTn id="22" dur="500"/>
                                         <p:tgtEl>
                                           <p:spTgt spid="3">
                                             <p:txEl>
@@ -30160,6 +30394,55 @@
                                         </p:tgtEl>
                                       </p:cBhvr>
                                     </p:animEffect>
+                                  </p:childTnLst>
+                                </p:cTn>
+                              </p:par>
+                            </p:childTnLst>
+                          </p:cTn>
+                        </p:par>
+                      </p:childTnLst>
+                    </p:cTn>
+                  </p:par>
+                  <p:par>
+                    <p:cTn id="23" fill="hold">
+                      <p:stCondLst>
+                        <p:cond delay="indefinite"/>
+                      </p:stCondLst>
+                      <p:childTnLst>
+                        <p:par>
+                          <p:cTn id="24" fill="hold">
+                            <p:stCondLst>
+                              <p:cond delay="0"/>
+                            </p:stCondLst>
+                            <p:childTnLst>
+                              <p:par>
+                                <p:cTn id="25" presetID="1" presetClass="entr" presetSubtype="0" fill="hold" nodeType="clickEffect">
+                                  <p:stCondLst>
+                                    <p:cond delay="0"/>
+                                  </p:stCondLst>
+                                  <p:childTnLst>
+                                    <p:set>
+                                      <p:cBhvr>
+                                        <p:cTn id="26" dur="1" fill="hold">
+                                          <p:stCondLst>
+                                            <p:cond delay="0"/>
+                                          </p:stCondLst>
+                                        </p:cTn>
+                                        <p:tgtEl>
+                                          <p:spTgt spid="3">
+                                            <p:txEl>
+                                              <p:pRg st="8" end="8"/>
+                                            </p:txEl>
+                                          </p:spTgt>
+                                        </p:tgtEl>
+                                        <p:attrNameLst>
+                                          <p:attrName>style.visibility</p:attrName>
+                                        </p:attrNameLst>
+                                      </p:cBhvr>
+                                      <p:to>
+                                        <p:strVal val="visible"/>
+                                      </p:to>
+                                    </p:set>
                                   </p:childTnLst>
                                 </p:cTn>
                               </p:par>
@@ -33767,7 +34050,13 @@
   <p:cSld>
     <p:spTree>
       <p:nvGrpSpPr>
-        <p:cNvPr id="1" name=""/>
+        <p:cNvPr id="1" name="">
+          <a:extLst>
+            <a:ext uri="{FF2B5EF4-FFF2-40B4-BE49-F238E27FC236}">
+              <a16:creationId xmlns:a16="http://schemas.microsoft.com/office/drawing/2014/main" id="{88C34A8C-922E-C508-D67D-D10E202AA63E}"/>
+            </a:ext>
+          </a:extLst>
+        </p:cNvPr>
         <p:cNvGrpSpPr/>
         <p:nvPr/>
       </p:nvGrpSpPr>
@@ -33784,7 +34073,7 @@
           <p:cNvPr id="2" name="Title 1">
             <a:extLst>
               <a:ext uri="{FF2B5EF4-FFF2-40B4-BE49-F238E27FC236}">
-                <a16:creationId xmlns:a16="http://schemas.microsoft.com/office/drawing/2014/main" id="{900DB008-6A3B-13C2-26F6-0032C0636898}"/>
+                <a16:creationId xmlns:a16="http://schemas.microsoft.com/office/drawing/2014/main" id="{E18004A4-2201-3E7D-C515-CCDA639D75B1}"/>
               </a:ext>
             </a:extLst>
           </p:cNvPr>
@@ -33802,52 +34091,82 @@
           <a:p>
             <a:r>
               <a:rPr lang="en-US" dirty="0"/>
-              <a:t>Combating Recessions: 2001</a:t>
+              <a:t>The Impact of Expansionary Fiscal</a:t>
+            </a:r>
+            <a:br>
+              <a:rPr lang="en-US" dirty="0"/>
+            </a:br>
+            <a:r>
+              <a:rPr lang="en-US" dirty="0"/>
+              <a:t>and Expansionary Monetary Policy</a:t>
             </a:r>
           </a:p>
         </p:txBody>
       </p:sp>
-      <p:pic>
-        <p:nvPicPr>
-          <p:cNvPr id="8" name="Content Placeholder 7" descr="A graph showing the growth of the market&#10;&#10;Description automatically generated">
+      <p:sp>
+        <p:nvSpPr>
+          <p:cNvPr id="3" name="Content Placeholder 2">
             <a:extLst>
               <a:ext uri="{FF2B5EF4-FFF2-40B4-BE49-F238E27FC236}">
-                <a16:creationId xmlns:a16="http://schemas.microsoft.com/office/drawing/2014/main" id="{78EC9600-B62D-9064-083D-E43551812A43}"/>
+                <a16:creationId xmlns:a16="http://schemas.microsoft.com/office/drawing/2014/main" id="{C672AEFC-DE9C-51E2-C75A-5AECA4D7A9B0}"/>
               </a:ext>
             </a:extLst>
           </p:cNvPr>
-          <p:cNvPicPr>
-            <a:picLocks noGrp="1" noChangeAspect="1"/>
-          </p:cNvPicPr>
+          <p:cNvSpPr>
+            <a:spLocks noGrp="1"/>
+          </p:cNvSpPr>
           <p:nvPr>
             <p:ph idx="1"/>
           </p:nvPr>
-        </p:nvPicPr>
-        <p:blipFill>
-          <a:blip r:embed="rId2">
-            <a:extLst>
-              <a:ext uri="{28A0092B-C50C-407E-A947-70E740481C1C}">
-                <a14:useLocalDpi xmlns:a14="http://schemas.microsoft.com/office/drawing/2010/main" val="0"/>
-              </a:ext>
-            </a:extLst>
-          </a:blip>
-          <a:stretch>
-            <a:fillRect/>
-          </a:stretch>
-        </p:blipFill>
+        </p:nvSpPr>
         <p:spPr>
           <a:xfrm>
-            <a:off x="762000" y="1858169"/>
-            <a:ext cx="7620000" cy="4286250"/>
+            <a:off x="628650" y="1825625"/>
+            <a:ext cx="7886700" cy="4351338"/>
           </a:xfrm>
         </p:spPr>
-      </p:pic>
+        <p:txBody>
+          <a:bodyPr>
+            <a:normAutofit/>
+          </a:bodyPr>
+          <a:lstStyle/>
+          <a:p>
+            <a:r>
+              <a:rPr lang="en-US" dirty="0"/>
+              <a:t>A mix of both expansionary fiscal and monetary policies have been deployed in the past in combating recessions.</a:t>
+            </a:r>
+          </a:p>
+          <a:p>
+            <a:pPr lvl="3"/>
+            <a:endParaRPr lang="en-US" dirty="0"/>
+          </a:p>
+          <a:p>
+            <a:r>
+              <a:rPr lang="en-US" dirty="0"/>
+              <a:t>During the recessions of 2001, 2008, and 2020, a mixed policy was adopted to varying levels of success.</a:t>
+            </a:r>
+          </a:p>
+          <a:p>
+            <a:pPr lvl="3"/>
+            <a:endParaRPr lang="en-US" dirty="0"/>
+          </a:p>
+          <a:p>
+            <a:r>
+              <a:rPr lang="en-US" dirty="0"/>
+              <a:t>Let us examine what happened in the latest period of recession that followed the COVID-19 pandemic.</a:t>
+            </a:r>
+          </a:p>
+          <a:p>
+            <a:endParaRPr lang="en-US" dirty="0"/>
+          </a:p>
+        </p:txBody>
+      </p:sp>
       <p:sp>
         <p:nvSpPr>
           <p:cNvPr id="4" name="Date Placeholder 3">
             <a:extLst>
               <a:ext uri="{FF2B5EF4-FFF2-40B4-BE49-F238E27FC236}">
-                <a16:creationId xmlns:a16="http://schemas.microsoft.com/office/drawing/2014/main" id="{6D809E7F-8C04-8157-9878-15FFACAD5053}"/>
+                <a16:creationId xmlns:a16="http://schemas.microsoft.com/office/drawing/2014/main" id="{58D88F6F-7498-0319-561E-4D58C6FC4B41}"/>
               </a:ext>
             </a:extLst>
           </p:cNvPr>
@@ -33876,7 +34195,7 @@
           <p:cNvPr id="5" name="Footer Placeholder 4">
             <a:extLst>
               <a:ext uri="{FF2B5EF4-FFF2-40B4-BE49-F238E27FC236}">
-                <a16:creationId xmlns:a16="http://schemas.microsoft.com/office/drawing/2014/main" id="{7046FAC6-545F-BDE3-4B56-2468296AA6CA}"/>
+                <a16:creationId xmlns:a16="http://schemas.microsoft.com/office/drawing/2014/main" id="{93E31F07-21B1-20DD-7D4B-D6B0AEC4CCE9}"/>
               </a:ext>
             </a:extLst>
           </p:cNvPr>
@@ -33905,7 +34224,7 @@
           <p:cNvPr id="6" name="Slide Number Placeholder 5">
             <a:extLst>
               <a:ext uri="{FF2B5EF4-FFF2-40B4-BE49-F238E27FC236}">
-                <a16:creationId xmlns:a16="http://schemas.microsoft.com/office/drawing/2014/main" id="{F1830586-1969-C585-A2D6-B97BF6838180}"/>
+                <a16:creationId xmlns:a16="http://schemas.microsoft.com/office/drawing/2014/main" id="{932989C4-9837-E187-6DCF-F3A3CE303201}"/>
               </a:ext>
             </a:extLst>
           </p:cNvPr>
@@ -33932,13 +34251,232 @@
     </p:spTree>
     <p:extLst>
       <p:ext uri="{BB962C8B-B14F-4D97-AF65-F5344CB8AC3E}">
-        <p14:creationId xmlns:p14="http://schemas.microsoft.com/office/powerpoint/2010/main" val="1027598571"/>
+        <p14:creationId xmlns:p14="http://schemas.microsoft.com/office/powerpoint/2010/main" val="524754507"/>
       </p:ext>
     </p:extLst>
   </p:cSld>
   <p:clrMapOvr>
     <a:masterClrMapping/>
   </p:clrMapOvr>
+  <p:timing>
+    <p:tnLst>
+      <p:par>
+        <p:cTn id="1" dur="indefinite" restart="never" nodeType="tmRoot">
+          <p:childTnLst>
+            <p:seq concurrent="1" nextAc="seek">
+              <p:cTn id="2" dur="indefinite" nodeType="mainSeq">
+                <p:childTnLst>
+                  <p:par>
+                    <p:cTn id="3" fill="hold">
+                      <p:stCondLst>
+                        <p:cond delay="indefinite"/>
+                        <p:cond evt="onBegin" delay="0">
+                          <p:tn val="2"/>
+                        </p:cond>
+                      </p:stCondLst>
+                      <p:childTnLst>
+                        <p:par>
+                          <p:cTn id="4" fill="hold">
+                            <p:stCondLst>
+                              <p:cond delay="0"/>
+                            </p:stCondLst>
+                            <p:childTnLst>
+                              <p:par>
+                                <p:cTn id="5" presetID="10" presetClass="entr" presetSubtype="0" fill="hold" grpId="0" nodeType="withEffect">
+                                  <p:stCondLst>
+                                    <p:cond delay="0"/>
+                                  </p:stCondLst>
+                                  <p:childTnLst>
+                                    <p:set>
+                                      <p:cBhvr>
+                                        <p:cTn id="6" dur="1" fill="hold">
+                                          <p:stCondLst>
+                                            <p:cond delay="0"/>
+                                          </p:stCondLst>
+                                        </p:cTn>
+                                        <p:tgtEl>
+                                          <p:spTgt spid="3">
+                                            <p:txEl>
+                                              <p:pRg st="0" end="0"/>
+                                            </p:txEl>
+                                          </p:spTgt>
+                                        </p:tgtEl>
+                                        <p:attrNameLst>
+                                          <p:attrName>style.visibility</p:attrName>
+                                        </p:attrNameLst>
+                                      </p:cBhvr>
+                                      <p:to>
+                                        <p:strVal val="visible"/>
+                                      </p:to>
+                                    </p:set>
+                                    <p:animEffect transition="in" filter="fade">
+                                      <p:cBhvr>
+                                        <p:cTn id="7" dur="500"/>
+                                        <p:tgtEl>
+                                          <p:spTgt spid="3">
+                                            <p:txEl>
+                                              <p:pRg st="0" end="0"/>
+                                            </p:txEl>
+                                          </p:spTgt>
+                                        </p:tgtEl>
+                                      </p:cBhvr>
+                                    </p:animEffect>
+                                  </p:childTnLst>
+                                </p:cTn>
+                              </p:par>
+                            </p:childTnLst>
+                          </p:cTn>
+                        </p:par>
+                      </p:childTnLst>
+                    </p:cTn>
+                  </p:par>
+                  <p:par>
+                    <p:cTn id="8" fill="hold">
+                      <p:stCondLst>
+                        <p:cond delay="indefinite"/>
+                      </p:stCondLst>
+                      <p:childTnLst>
+                        <p:par>
+                          <p:cTn id="9" fill="hold">
+                            <p:stCondLst>
+                              <p:cond delay="0"/>
+                            </p:stCondLst>
+                            <p:childTnLst>
+                              <p:par>
+                                <p:cTn id="10" presetID="10" presetClass="entr" presetSubtype="0" fill="hold" grpId="0" nodeType="clickEffect">
+                                  <p:stCondLst>
+                                    <p:cond delay="0"/>
+                                  </p:stCondLst>
+                                  <p:childTnLst>
+                                    <p:set>
+                                      <p:cBhvr>
+                                        <p:cTn id="11" dur="1" fill="hold">
+                                          <p:stCondLst>
+                                            <p:cond delay="0"/>
+                                          </p:stCondLst>
+                                        </p:cTn>
+                                        <p:tgtEl>
+                                          <p:spTgt spid="3">
+                                            <p:txEl>
+                                              <p:pRg st="2" end="2"/>
+                                            </p:txEl>
+                                          </p:spTgt>
+                                        </p:tgtEl>
+                                        <p:attrNameLst>
+                                          <p:attrName>style.visibility</p:attrName>
+                                        </p:attrNameLst>
+                                      </p:cBhvr>
+                                      <p:to>
+                                        <p:strVal val="visible"/>
+                                      </p:to>
+                                    </p:set>
+                                    <p:animEffect transition="in" filter="fade">
+                                      <p:cBhvr>
+                                        <p:cTn id="12" dur="500"/>
+                                        <p:tgtEl>
+                                          <p:spTgt spid="3">
+                                            <p:txEl>
+                                              <p:pRg st="2" end="2"/>
+                                            </p:txEl>
+                                          </p:spTgt>
+                                        </p:tgtEl>
+                                      </p:cBhvr>
+                                    </p:animEffect>
+                                  </p:childTnLst>
+                                </p:cTn>
+                              </p:par>
+                            </p:childTnLst>
+                          </p:cTn>
+                        </p:par>
+                      </p:childTnLst>
+                    </p:cTn>
+                  </p:par>
+                  <p:par>
+                    <p:cTn id="13" fill="hold">
+                      <p:stCondLst>
+                        <p:cond delay="indefinite"/>
+                      </p:stCondLst>
+                      <p:childTnLst>
+                        <p:par>
+                          <p:cTn id="14" fill="hold">
+                            <p:stCondLst>
+                              <p:cond delay="0"/>
+                            </p:stCondLst>
+                            <p:childTnLst>
+                              <p:par>
+                                <p:cTn id="15" presetID="10" presetClass="entr" presetSubtype="0" fill="hold" grpId="0" nodeType="clickEffect">
+                                  <p:stCondLst>
+                                    <p:cond delay="0"/>
+                                  </p:stCondLst>
+                                  <p:childTnLst>
+                                    <p:set>
+                                      <p:cBhvr>
+                                        <p:cTn id="16" dur="1" fill="hold">
+                                          <p:stCondLst>
+                                            <p:cond delay="0"/>
+                                          </p:stCondLst>
+                                        </p:cTn>
+                                        <p:tgtEl>
+                                          <p:spTgt spid="3">
+                                            <p:txEl>
+                                              <p:pRg st="4" end="4"/>
+                                            </p:txEl>
+                                          </p:spTgt>
+                                        </p:tgtEl>
+                                        <p:attrNameLst>
+                                          <p:attrName>style.visibility</p:attrName>
+                                        </p:attrNameLst>
+                                      </p:cBhvr>
+                                      <p:to>
+                                        <p:strVal val="visible"/>
+                                      </p:to>
+                                    </p:set>
+                                    <p:animEffect transition="in" filter="fade">
+                                      <p:cBhvr>
+                                        <p:cTn id="17" dur="500"/>
+                                        <p:tgtEl>
+                                          <p:spTgt spid="3">
+                                            <p:txEl>
+                                              <p:pRg st="4" end="4"/>
+                                            </p:txEl>
+                                          </p:spTgt>
+                                        </p:tgtEl>
+                                      </p:cBhvr>
+                                    </p:animEffect>
+                                  </p:childTnLst>
+                                </p:cTn>
+                              </p:par>
+                            </p:childTnLst>
+                          </p:cTn>
+                        </p:par>
+                      </p:childTnLst>
+                    </p:cTn>
+                  </p:par>
+                </p:childTnLst>
+              </p:cTn>
+              <p:prevCondLst>
+                <p:cond evt="onPrev" delay="0">
+                  <p:tgtEl>
+                    <p:sldTgt/>
+                  </p:tgtEl>
+                </p:cond>
+              </p:prevCondLst>
+              <p:nextCondLst>
+                <p:cond evt="onNext" delay="0">
+                  <p:tgtEl>
+                    <p:sldTgt/>
+                  </p:tgtEl>
+                </p:cond>
+              </p:nextCondLst>
+            </p:seq>
+          </p:childTnLst>
+        </p:cTn>
+      </p:par>
+    </p:tnLst>
+    <p:bldLst>
+      <p:bldP spid="3" grpId="0" uiExpand="1" build="p"/>
+    </p:bldLst>
+  </p:timing>
 </p:sld>
 </file>
 
@@ -34886,6 +35424,320 @@
   <p:cSld>
     <p:spTree>
       <p:nvGrpSpPr>
+        <p:cNvPr id="1" name=""/>
+        <p:cNvGrpSpPr/>
+        <p:nvPr/>
+      </p:nvGrpSpPr>
+      <p:grpSpPr>
+        <a:xfrm>
+          <a:off x="0" y="0"/>
+          <a:ext cx="0" cy="0"/>
+          <a:chOff x="0" y="0"/>
+          <a:chExt cx="0" cy="0"/>
+        </a:xfrm>
+      </p:grpSpPr>
+      <p:sp>
+        <p:nvSpPr>
+          <p:cNvPr id="2" name="Title 1">
+            <a:extLst>
+              <a:ext uri="{FF2B5EF4-FFF2-40B4-BE49-F238E27FC236}">
+                <a16:creationId xmlns:a16="http://schemas.microsoft.com/office/drawing/2014/main" id="{900DB008-6A3B-13C2-26F6-0032C0636898}"/>
+              </a:ext>
+            </a:extLst>
+          </p:cNvPr>
+          <p:cNvSpPr>
+            <a:spLocks noGrp="1"/>
+          </p:cNvSpPr>
+          <p:nvPr>
+            <p:ph type="title"/>
+          </p:nvPr>
+        </p:nvSpPr>
+        <p:spPr/>
+        <p:txBody>
+          <a:bodyPr/>
+          <a:lstStyle/>
+          <a:p>
+            <a:r>
+              <a:rPr lang="en-US" dirty="0"/>
+              <a:t>Combating Recessions: 2020</a:t>
+            </a:r>
+            <a:br>
+              <a:rPr lang="en-US" dirty="0"/>
+            </a:br>
+            <a:r>
+              <a:rPr lang="en-US" dirty="0"/>
+              <a:t>Drop in Output Growth</a:t>
+            </a:r>
+          </a:p>
+        </p:txBody>
+      </p:sp>
+      <p:sp>
+        <p:nvSpPr>
+          <p:cNvPr id="4" name="Date Placeholder 3">
+            <a:extLst>
+              <a:ext uri="{FF2B5EF4-FFF2-40B4-BE49-F238E27FC236}">
+                <a16:creationId xmlns:a16="http://schemas.microsoft.com/office/drawing/2014/main" id="{6D809E7F-8C04-8157-9878-15FFACAD5053}"/>
+              </a:ext>
+            </a:extLst>
+          </p:cNvPr>
+          <p:cNvSpPr>
+            <a:spLocks noGrp="1"/>
+          </p:cNvSpPr>
+          <p:nvPr>
+            <p:ph type="dt" sz="half" idx="10"/>
+          </p:nvPr>
+        </p:nvSpPr>
+        <p:spPr/>
+        <p:txBody>
+          <a:bodyPr/>
+          <a:lstStyle/>
+          <a:p>
+            <a:r>
+              <a:rPr lang="en-US"/>
+              <a:t>Spring 2024</a:t>
+            </a:r>
+            <a:endParaRPr lang="en-US" dirty="0"/>
+          </a:p>
+        </p:txBody>
+      </p:sp>
+      <p:sp>
+        <p:nvSpPr>
+          <p:cNvPr id="5" name="Footer Placeholder 4">
+            <a:extLst>
+              <a:ext uri="{FF2B5EF4-FFF2-40B4-BE49-F238E27FC236}">
+                <a16:creationId xmlns:a16="http://schemas.microsoft.com/office/drawing/2014/main" id="{7046FAC6-545F-BDE3-4B56-2468296AA6CA}"/>
+              </a:ext>
+            </a:extLst>
+          </p:cNvPr>
+          <p:cNvSpPr>
+            <a:spLocks noGrp="1"/>
+          </p:cNvSpPr>
+          <p:nvPr>
+            <p:ph type="ftr" sz="quarter" idx="11"/>
+          </p:nvPr>
+        </p:nvSpPr>
+        <p:spPr/>
+        <p:txBody>
+          <a:bodyPr/>
+          <a:lstStyle/>
+          <a:p>
+            <a:r>
+              <a:rPr lang="en-US"/>
+              <a:t>DEPARTMENT OF BUSINESS &amp; ECONOMICS</a:t>
+            </a:r>
+            <a:endParaRPr lang="en-US" dirty="0"/>
+          </a:p>
+        </p:txBody>
+      </p:sp>
+      <p:sp>
+        <p:nvSpPr>
+          <p:cNvPr id="6" name="Slide Number Placeholder 5">
+            <a:extLst>
+              <a:ext uri="{FF2B5EF4-FFF2-40B4-BE49-F238E27FC236}">
+                <a16:creationId xmlns:a16="http://schemas.microsoft.com/office/drawing/2014/main" id="{F1830586-1969-C585-A2D6-B97BF6838180}"/>
+              </a:ext>
+            </a:extLst>
+          </p:cNvPr>
+          <p:cNvSpPr>
+            <a:spLocks noGrp="1"/>
+          </p:cNvSpPr>
+          <p:nvPr>
+            <p:ph type="sldNum" sz="quarter" idx="12"/>
+          </p:nvPr>
+        </p:nvSpPr>
+        <p:spPr/>
+        <p:txBody>
+          <a:bodyPr/>
+          <a:lstStyle/>
+          <a:p>
+            <a:fld id="{1A980C56-831A-4EAB-9EDE-57C090F4F877}" type="slidenum">
+              <a:rPr lang="en-US" smtClean="0"/>
+              <a:t>30</a:t>
+            </a:fld>
+            <a:endParaRPr lang="en-US" dirty="0"/>
+          </a:p>
+        </p:txBody>
+      </p:sp>
+      <p:pic>
+        <p:nvPicPr>
+          <p:cNvPr id="10" name="Content Placeholder 9" descr="A graph of a line graph&#10;&#10;Description automatically generated with medium confidence">
+            <a:extLst>
+              <a:ext uri="{FF2B5EF4-FFF2-40B4-BE49-F238E27FC236}">
+                <a16:creationId xmlns:a16="http://schemas.microsoft.com/office/drawing/2014/main" id="{18B6A19E-E78B-58D9-50FE-C91E6C02B0BC}"/>
+              </a:ext>
+            </a:extLst>
+          </p:cNvPr>
+          <p:cNvPicPr>
+            <a:picLocks noGrp="1" noChangeAspect="1"/>
+          </p:cNvPicPr>
+          <p:nvPr>
+            <p:ph idx="1"/>
+          </p:nvPr>
+        </p:nvPicPr>
+        <p:blipFill>
+          <a:blip r:embed="rId2">
+            <a:extLst>
+              <a:ext uri="{28A0092B-C50C-407E-A947-70E740481C1C}">
+                <a14:useLocalDpi xmlns:a14="http://schemas.microsoft.com/office/drawing/2010/main" val="0"/>
+              </a:ext>
+            </a:extLst>
+          </a:blip>
+          <a:stretch>
+            <a:fillRect/>
+          </a:stretch>
+        </p:blipFill>
+        <p:spPr>
+          <a:xfrm>
+            <a:off x="762000" y="1858169"/>
+            <a:ext cx="7620000" cy="4286250"/>
+          </a:xfrm>
+        </p:spPr>
+      </p:pic>
+      <p:cxnSp>
+        <p:nvCxnSpPr>
+          <p:cNvPr id="12" name="Straight Arrow Connector 11">
+            <a:extLst>
+              <a:ext uri="{FF2B5EF4-FFF2-40B4-BE49-F238E27FC236}">
+                <a16:creationId xmlns:a16="http://schemas.microsoft.com/office/drawing/2014/main" id="{DDB9922B-1795-67F9-C68D-EAF02BFDBFF3}"/>
+              </a:ext>
+            </a:extLst>
+          </p:cNvPr>
+          <p:cNvCxnSpPr>
+            <a:cxnSpLocks/>
+          </p:cNvCxnSpPr>
+          <p:nvPr/>
+        </p:nvCxnSpPr>
+        <p:spPr>
+          <a:xfrm>
+            <a:off x="3283527" y="3896591"/>
+            <a:ext cx="509155" cy="1267691"/>
+          </a:xfrm>
+          <a:prstGeom prst="straightConnector1">
+            <a:avLst/>
+          </a:prstGeom>
+          <a:ln w="38100">
+            <a:solidFill>
+              <a:srgbClr val="FF0000"/>
+            </a:solidFill>
+            <a:tailEnd type="triangle"/>
+          </a:ln>
+        </p:spPr>
+        <p:style>
+          <a:lnRef idx="1">
+            <a:schemeClr val="accent1"/>
+          </a:lnRef>
+          <a:fillRef idx="0">
+            <a:schemeClr val="accent1"/>
+          </a:fillRef>
+          <a:effectRef idx="0">
+            <a:schemeClr val="accent1"/>
+          </a:effectRef>
+          <a:fontRef idx="minor">
+            <a:schemeClr val="tx1"/>
+          </a:fontRef>
+        </p:style>
+      </p:cxnSp>
+    </p:spTree>
+    <p:extLst>
+      <p:ext uri="{BB962C8B-B14F-4D97-AF65-F5344CB8AC3E}">
+        <p14:creationId xmlns:p14="http://schemas.microsoft.com/office/powerpoint/2010/main" val="1027598571"/>
+      </p:ext>
+    </p:extLst>
+  </p:cSld>
+  <p:clrMapOvr>
+    <a:masterClrMapping/>
+  </p:clrMapOvr>
+  <p:timing>
+    <p:tnLst>
+      <p:par>
+        <p:cTn id="1" dur="indefinite" restart="never" nodeType="tmRoot">
+          <p:childTnLst>
+            <p:seq concurrent="1" nextAc="seek">
+              <p:cTn id="2" dur="indefinite" nodeType="mainSeq">
+                <p:childTnLst>
+                  <p:par>
+                    <p:cTn id="3" fill="hold">
+                      <p:stCondLst>
+                        <p:cond delay="indefinite"/>
+                      </p:stCondLst>
+                      <p:childTnLst>
+                        <p:par>
+                          <p:cTn id="4" fill="hold">
+                            <p:stCondLst>
+                              <p:cond delay="0"/>
+                            </p:stCondLst>
+                            <p:childTnLst>
+                              <p:par>
+                                <p:cTn id="5" presetID="10" presetClass="entr" presetSubtype="0" fill="hold" nodeType="clickEffect">
+                                  <p:stCondLst>
+                                    <p:cond delay="0"/>
+                                  </p:stCondLst>
+                                  <p:childTnLst>
+                                    <p:set>
+                                      <p:cBhvr>
+                                        <p:cTn id="6" dur="1" fill="hold">
+                                          <p:stCondLst>
+                                            <p:cond delay="0"/>
+                                          </p:stCondLst>
+                                        </p:cTn>
+                                        <p:tgtEl>
+                                          <p:spTgt spid="12"/>
+                                        </p:tgtEl>
+                                        <p:attrNameLst>
+                                          <p:attrName>style.visibility</p:attrName>
+                                        </p:attrNameLst>
+                                      </p:cBhvr>
+                                      <p:to>
+                                        <p:strVal val="visible"/>
+                                      </p:to>
+                                    </p:set>
+                                    <p:animEffect transition="in" filter="fade">
+                                      <p:cBhvr>
+                                        <p:cTn id="7" dur="500"/>
+                                        <p:tgtEl>
+                                          <p:spTgt spid="12"/>
+                                        </p:tgtEl>
+                                      </p:cBhvr>
+                                    </p:animEffect>
+                                  </p:childTnLst>
+                                </p:cTn>
+                              </p:par>
+                            </p:childTnLst>
+                          </p:cTn>
+                        </p:par>
+                      </p:childTnLst>
+                    </p:cTn>
+                  </p:par>
+                </p:childTnLst>
+              </p:cTn>
+              <p:prevCondLst>
+                <p:cond evt="onPrev" delay="0">
+                  <p:tgtEl>
+                    <p:sldTgt/>
+                  </p:tgtEl>
+                </p:cond>
+              </p:prevCondLst>
+              <p:nextCondLst>
+                <p:cond evt="onNext" delay="0">
+                  <p:tgtEl>
+                    <p:sldTgt/>
+                  </p:tgtEl>
+                </p:cond>
+              </p:nextCondLst>
+            </p:seq>
+          </p:childTnLst>
+        </p:cTn>
+      </p:par>
+    </p:tnLst>
+  </p:timing>
+</p:sld>
+</file>
+
+<file path=ppt/slides/slide31.xml><?xml version="1.0" encoding="utf-8"?>
+<p:sld xmlns:a="http://schemas.openxmlformats.org/drawingml/2006/main" xmlns:r="http://schemas.openxmlformats.org/officeDocument/2006/relationships" xmlns:p="http://schemas.openxmlformats.org/presentationml/2006/main">
+  <p:cSld>
+    <p:spTree>
+      <p:nvGrpSpPr>
         <p:cNvPr id="1" name="">
           <a:extLst>
             <a:ext uri="{FF2B5EF4-FFF2-40B4-BE49-F238E27FC236}">
@@ -34927,7 +35779,14 @@
           <a:p>
             <a:r>
               <a:rPr lang="en-US" dirty="0"/>
-              <a:t>Combating Recessions: 2001</a:t>
+              <a:t>Combating Recessions: 2020</a:t>
+            </a:r>
+            <a:br>
+              <a:rPr lang="en-US" dirty="0"/>
+            </a:br>
+            <a:r>
+              <a:rPr lang="en-US" dirty="0"/>
+              <a:t>Expansionary Monetary Policy</a:t>
             </a:r>
           </a:p>
         </p:txBody>
@@ -35013,7 +35872,7 @@
           <a:p>
             <a:fld id="{1A980C56-831A-4EAB-9EDE-57C090F4F877}" type="slidenum">
               <a:rPr lang="en-US" smtClean="0"/>
-              <a:t>30</a:t>
+              <a:t>31</a:t>
             </a:fld>
             <a:endParaRPr lang="en-US" dirty="0"/>
           </a:p>
@@ -35021,10 +35880,10 @@
       </p:sp>
       <p:pic>
         <p:nvPicPr>
-          <p:cNvPr id="10" name="Content Placeholder 9" descr="A graph showing the growth of the federal funds&#10;&#10;Description automatically generated">
+          <p:cNvPr id="9" name="Content Placeholder 8" descr="A graph of a financial graph&#10;&#10;Description automatically generated with medium confidence">
             <a:extLst>
               <a:ext uri="{FF2B5EF4-FFF2-40B4-BE49-F238E27FC236}">
-                <a16:creationId xmlns:a16="http://schemas.microsoft.com/office/drawing/2014/main" id="{C2096D07-D9EE-B102-DD45-FA3E51F58601}"/>
+                <a16:creationId xmlns:a16="http://schemas.microsoft.com/office/drawing/2014/main" id="{84F968FC-6A3F-9BD6-0B00-2CDEE3A86D9C}"/>
               </a:ext>
             </a:extLst>
           </p:cNvPr>
@@ -35054,6 +35913,50 @@
           </a:xfrm>
         </p:spPr>
       </p:pic>
+      <p:cxnSp>
+        <p:nvCxnSpPr>
+          <p:cNvPr id="11" name="Straight Arrow Connector 10">
+            <a:extLst>
+              <a:ext uri="{FF2B5EF4-FFF2-40B4-BE49-F238E27FC236}">
+                <a16:creationId xmlns:a16="http://schemas.microsoft.com/office/drawing/2014/main" id="{EE6F72BC-D98E-BF30-B944-4D17F415CF00}"/>
+              </a:ext>
+            </a:extLst>
+          </p:cNvPr>
+          <p:cNvCxnSpPr>
+            <a:cxnSpLocks/>
+          </p:cNvCxnSpPr>
+          <p:nvPr/>
+        </p:nvCxnSpPr>
+        <p:spPr>
+          <a:xfrm>
+            <a:off x="3283527" y="4145973"/>
+            <a:ext cx="394855" cy="1226127"/>
+          </a:xfrm>
+          <a:prstGeom prst="straightConnector1">
+            <a:avLst/>
+          </a:prstGeom>
+          <a:ln w="38100">
+            <a:solidFill>
+              <a:srgbClr val="FF0000"/>
+            </a:solidFill>
+            <a:tailEnd type="triangle"/>
+          </a:ln>
+        </p:spPr>
+        <p:style>
+          <a:lnRef idx="1">
+            <a:schemeClr val="accent1"/>
+          </a:lnRef>
+          <a:fillRef idx="0">
+            <a:schemeClr val="accent1"/>
+          </a:fillRef>
+          <a:effectRef idx="0">
+            <a:schemeClr val="accent1"/>
+          </a:effectRef>
+          <a:fontRef idx="minor">
+            <a:schemeClr val="tx1"/>
+          </a:fontRef>
+        </p:style>
+      </p:cxnSp>
     </p:spTree>
     <p:extLst>
       <p:ext uri="{BB962C8B-B14F-4D97-AF65-F5344CB8AC3E}">
@@ -35064,10 +35967,93 @@
   <p:clrMapOvr>
     <a:masterClrMapping/>
   </p:clrMapOvr>
+  <p:timing>
+    <p:tnLst>
+      <p:par>
+        <p:cTn id="1" dur="indefinite" restart="never" nodeType="tmRoot">
+          <p:childTnLst>
+            <p:seq concurrent="1" nextAc="seek">
+              <p:cTn id="2" dur="indefinite" nodeType="mainSeq">
+                <p:childTnLst>
+                  <p:par>
+                    <p:cTn id="3" fill="hold">
+                      <p:stCondLst>
+                        <p:cond delay="indefinite"/>
+                      </p:stCondLst>
+                      <p:childTnLst>
+                        <p:par>
+                          <p:cTn id="4" fill="hold">
+                            <p:stCondLst>
+                              <p:cond delay="0"/>
+                            </p:stCondLst>
+                            <p:childTnLst>
+                              <p:par>
+                                <p:cTn id="5" presetID="10" presetClass="entr" presetSubtype="0" fill="hold" nodeType="clickEffect">
+                                  <p:stCondLst>
+                                    <p:cond delay="0"/>
+                                  </p:stCondLst>
+                                  <p:childTnLst>
+                                    <p:set>
+                                      <p:cBhvr>
+                                        <p:cTn id="6" dur="1" fill="hold">
+                                          <p:stCondLst>
+                                            <p:cond delay="0"/>
+                                          </p:stCondLst>
+                                        </p:cTn>
+                                        <p:tgtEl>
+                                          <p:spTgt spid="11"/>
+                                        </p:tgtEl>
+                                        <p:attrNameLst>
+                                          <p:attrName>style.visibility</p:attrName>
+                                        </p:attrNameLst>
+                                      </p:cBhvr>
+                                      <p:to>
+                                        <p:strVal val="visible"/>
+                                      </p:to>
+                                    </p:set>
+                                    <p:animEffect transition="in" filter="fade">
+                                      <p:cBhvr>
+                                        <p:cTn id="7" dur="500"/>
+                                        <p:tgtEl>
+                                          <p:spTgt spid="11"/>
+                                        </p:tgtEl>
+                                      </p:cBhvr>
+                                    </p:animEffect>
+                                  </p:childTnLst>
+                                </p:cTn>
+                              </p:par>
+                            </p:childTnLst>
+                          </p:cTn>
+                        </p:par>
+                      </p:childTnLst>
+                    </p:cTn>
+                  </p:par>
+                </p:childTnLst>
+              </p:cTn>
+              <p:prevCondLst>
+                <p:cond evt="onPrev" delay="0">
+                  <p:tgtEl>
+                    <p:sldTgt/>
+                  </p:tgtEl>
+                </p:cond>
+              </p:prevCondLst>
+              <p:nextCondLst>
+                <p:cond evt="onNext" delay="0">
+                  <p:tgtEl>
+                    <p:sldTgt/>
+                  </p:tgtEl>
+                </p:cond>
+              </p:nextCondLst>
+            </p:seq>
+          </p:childTnLst>
+        </p:cTn>
+      </p:par>
+    </p:tnLst>
+  </p:timing>
 </p:sld>
 </file>
 
-<file path=ppt/slides/slide31.xml><?xml version="1.0" encoding="utf-8"?>
+<file path=ppt/slides/slide32.xml><?xml version="1.0" encoding="utf-8"?>
 <p:sld xmlns:a="http://schemas.openxmlformats.org/drawingml/2006/main" xmlns:r="http://schemas.openxmlformats.org/officeDocument/2006/relationships" xmlns:p="http://schemas.openxmlformats.org/presentationml/2006/main">
   <p:cSld>
     <p:spTree>
@@ -35113,7 +36099,14 @@
           <a:p>
             <a:r>
               <a:rPr lang="en-US" dirty="0"/>
-              <a:t>Combating Recessions: 2001</a:t>
+              <a:t>Combating Recessions: 2020</a:t>
+            </a:r>
+            <a:br>
+              <a:rPr lang="en-US" dirty="0"/>
+            </a:br>
+            <a:r>
+              <a:rPr lang="en-US" dirty="0"/>
+              <a:t>Expansionary Fiscal Policy</a:t>
             </a:r>
           </a:p>
         </p:txBody>
@@ -35199,7 +36192,7 @@
           <a:p>
             <a:fld id="{1A980C56-831A-4EAB-9EDE-57C090F4F877}" type="slidenum">
               <a:rPr lang="en-US" smtClean="0"/>
-              <a:t>31</a:t>
+              <a:t>32</a:t>
             </a:fld>
             <a:endParaRPr lang="en-US" dirty="0"/>
           </a:p>
@@ -35207,10 +36200,10 @@
       </p:sp>
       <p:pic>
         <p:nvPicPr>
-          <p:cNvPr id="9" name="Content Placeholder 8" descr="A graph showing the growth of the company's revenue&#10;&#10;Description automatically generated">
+          <p:cNvPr id="14" name="Content Placeholder 13" descr="A graph of a graph showing the growth of the company's revenue&#10;&#10;Description automatically generated with medium confidence">
             <a:extLst>
               <a:ext uri="{FF2B5EF4-FFF2-40B4-BE49-F238E27FC236}">
-                <a16:creationId xmlns:a16="http://schemas.microsoft.com/office/drawing/2014/main" id="{19A585CF-D417-8AD4-7487-AF8689DDE882}"/>
+                <a16:creationId xmlns:a16="http://schemas.microsoft.com/office/drawing/2014/main" id="{790977CA-D6D3-622B-F28C-EB45266518A2}"/>
               </a:ext>
             </a:extLst>
           </p:cNvPr>
@@ -35240,6 +36233,50 @@
           </a:xfrm>
         </p:spPr>
       </p:pic>
+      <p:cxnSp>
+        <p:nvCxnSpPr>
+          <p:cNvPr id="15" name="Straight Arrow Connector 14">
+            <a:extLst>
+              <a:ext uri="{FF2B5EF4-FFF2-40B4-BE49-F238E27FC236}">
+                <a16:creationId xmlns:a16="http://schemas.microsoft.com/office/drawing/2014/main" id="{1DEB88B9-C7CF-A1EC-D8F9-20FA16ADDF42}"/>
+              </a:ext>
+            </a:extLst>
+          </p:cNvPr>
+          <p:cNvCxnSpPr>
+            <a:cxnSpLocks/>
+          </p:cNvCxnSpPr>
+          <p:nvPr/>
+        </p:nvCxnSpPr>
+        <p:spPr>
+          <a:xfrm flipV="1">
+            <a:off x="3252355" y="2670464"/>
+            <a:ext cx="426027" cy="1839191"/>
+          </a:xfrm>
+          <a:prstGeom prst="straightConnector1">
+            <a:avLst/>
+          </a:prstGeom>
+          <a:ln w="38100">
+            <a:solidFill>
+              <a:srgbClr val="FF0000"/>
+            </a:solidFill>
+            <a:tailEnd type="triangle"/>
+          </a:ln>
+        </p:spPr>
+        <p:style>
+          <a:lnRef idx="1">
+            <a:schemeClr val="accent1"/>
+          </a:lnRef>
+          <a:fillRef idx="0">
+            <a:schemeClr val="accent1"/>
+          </a:fillRef>
+          <a:effectRef idx="0">
+            <a:schemeClr val="accent1"/>
+          </a:effectRef>
+          <a:fontRef idx="minor">
+            <a:schemeClr val="tx1"/>
+          </a:fontRef>
+        </p:style>
+      </p:cxnSp>
     </p:spTree>
     <p:extLst>
       <p:ext uri="{BB962C8B-B14F-4D97-AF65-F5344CB8AC3E}">
@@ -35250,10 +36287,93 @@
   <p:clrMapOvr>
     <a:masterClrMapping/>
   </p:clrMapOvr>
+  <p:timing>
+    <p:tnLst>
+      <p:par>
+        <p:cTn id="1" dur="indefinite" restart="never" nodeType="tmRoot">
+          <p:childTnLst>
+            <p:seq concurrent="1" nextAc="seek">
+              <p:cTn id="2" dur="indefinite" nodeType="mainSeq">
+                <p:childTnLst>
+                  <p:par>
+                    <p:cTn id="3" fill="hold">
+                      <p:stCondLst>
+                        <p:cond delay="indefinite"/>
+                      </p:stCondLst>
+                      <p:childTnLst>
+                        <p:par>
+                          <p:cTn id="4" fill="hold">
+                            <p:stCondLst>
+                              <p:cond delay="0"/>
+                            </p:stCondLst>
+                            <p:childTnLst>
+                              <p:par>
+                                <p:cTn id="5" presetID="10" presetClass="entr" presetSubtype="0" fill="hold" nodeType="clickEffect">
+                                  <p:stCondLst>
+                                    <p:cond delay="0"/>
+                                  </p:stCondLst>
+                                  <p:childTnLst>
+                                    <p:set>
+                                      <p:cBhvr>
+                                        <p:cTn id="6" dur="1" fill="hold">
+                                          <p:stCondLst>
+                                            <p:cond delay="0"/>
+                                          </p:stCondLst>
+                                        </p:cTn>
+                                        <p:tgtEl>
+                                          <p:spTgt spid="15"/>
+                                        </p:tgtEl>
+                                        <p:attrNameLst>
+                                          <p:attrName>style.visibility</p:attrName>
+                                        </p:attrNameLst>
+                                      </p:cBhvr>
+                                      <p:to>
+                                        <p:strVal val="visible"/>
+                                      </p:to>
+                                    </p:set>
+                                    <p:animEffect transition="in" filter="fade">
+                                      <p:cBhvr>
+                                        <p:cTn id="7" dur="500"/>
+                                        <p:tgtEl>
+                                          <p:spTgt spid="15"/>
+                                        </p:tgtEl>
+                                      </p:cBhvr>
+                                    </p:animEffect>
+                                  </p:childTnLst>
+                                </p:cTn>
+                              </p:par>
+                            </p:childTnLst>
+                          </p:cTn>
+                        </p:par>
+                      </p:childTnLst>
+                    </p:cTn>
+                  </p:par>
+                </p:childTnLst>
+              </p:cTn>
+              <p:prevCondLst>
+                <p:cond evt="onPrev" delay="0">
+                  <p:tgtEl>
+                    <p:sldTgt/>
+                  </p:tgtEl>
+                </p:cond>
+              </p:prevCondLst>
+              <p:nextCondLst>
+                <p:cond evt="onNext" delay="0">
+                  <p:tgtEl>
+                    <p:sldTgt/>
+                  </p:tgtEl>
+                </p:cond>
+              </p:nextCondLst>
+            </p:seq>
+          </p:childTnLst>
+        </p:cTn>
+      </p:par>
+    </p:tnLst>
+  </p:timing>
 </p:sld>
 </file>
 
-<file path=ppt/slides/slide32.xml><?xml version="1.0" encoding="utf-8"?>
+<file path=ppt/slides/slide33.xml><?xml version="1.0" encoding="utf-8"?>
 <p:sld xmlns:a="http://schemas.openxmlformats.org/drawingml/2006/main" xmlns:r="http://schemas.openxmlformats.org/officeDocument/2006/relationships" xmlns:p="http://schemas.openxmlformats.org/presentationml/2006/main">
   <p:cSld>
     <p:spTree>
@@ -35299,7 +36419,14 @@
           <a:p>
             <a:r>
               <a:rPr lang="en-US" dirty="0"/>
-              <a:t>Combating Recessions: 2001</a:t>
+              <a:t>Combating Recessions: 2020</a:t>
+            </a:r>
+            <a:br>
+              <a:rPr lang="en-US" dirty="0"/>
+            </a:br>
+            <a:r>
+              <a:rPr lang="en-US" dirty="0"/>
+              <a:t>Expansionary Fiscal Policy</a:t>
             </a:r>
           </a:p>
         </p:txBody>
@@ -35385,7 +36512,7 @@
           <a:p>
             <a:fld id="{1A980C56-831A-4EAB-9EDE-57C090F4F877}" type="slidenum">
               <a:rPr lang="en-US" smtClean="0"/>
-              <a:t>32</a:t>
+              <a:t>33</a:t>
             </a:fld>
             <a:endParaRPr lang="en-US" dirty="0"/>
           </a:p>
@@ -35393,10 +36520,10 @@
       </p:sp>
       <p:pic>
         <p:nvPicPr>
-          <p:cNvPr id="9" name="Content Placeholder 8" descr="A graph showing the growth of tax receipts&#10;&#10;Description automatically generated">
+          <p:cNvPr id="14" name="Content Placeholder 13" descr="A graph of a graph showing the value of tax receipts&#10;&#10;Description automatically generated with medium confidence">
             <a:extLst>
               <a:ext uri="{FF2B5EF4-FFF2-40B4-BE49-F238E27FC236}">
-                <a16:creationId xmlns:a16="http://schemas.microsoft.com/office/drawing/2014/main" id="{9CB2C0CB-534E-5315-27EE-BFDADFB9BCFA}"/>
+                <a16:creationId xmlns:a16="http://schemas.microsoft.com/office/drawing/2014/main" id="{1882B70D-04F7-70DD-2B1E-B28588B9997E}"/>
               </a:ext>
             </a:extLst>
           </p:cNvPr>
@@ -35426,6 +36553,50 @@
           </a:xfrm>
         </p:spPr>
       </p:pic>
+      <p:cxnSp>
+        <p:nvCxnSpPr>
+          <p:cNvPr id="15" name="Straight Arrow Connector 14">
+            <a:extLst>
+              <a:ext uri="{FF2B5EF4-FFF2-40B4-BE49-F238E27FC236}">
+                <a16:creationId xmlns:a16="http://schemas.microsoft.com/office/drawing/2014/main" id="{99D9DD1F-6A75-AD93-B6BD-7CFC208D3D9B}"/>
+              </a:ext>
+            </a:extLst>
+          </p:cNvPr>
+          <p:cNvCxnSpPr>
+            <a:cxnSpLocks/>
+          </p:cNvCxnSpPr>
+          <p:nvPr/>
+        </p:nvCxnSpPr>
+        <p:spPr>
+          <a:xfrm>
+            <a:off x="3283527" y="3813464"/>
+            <a:ext cx="446809" cy="1350818"/>
+          </a:xfrm>
+          <a:prstGeom prst="straightConnector1">
+            <a:avLst/>
+          </a:prstGeom>
+          <a:ln w="38100">
+            <a:solidFill>
+              <a:srgbClr val="FF0000"/>
+            </a:solidFill>
+            <a:tailEnd type="triangle"/>
+          </a:ln>
+        </p:spPr>
+        <p:style>
+          <a:lnRef idx="1">
+            <a:schemeClr val="accent1"/>
+          </a:lnRef>
+          <a:fillRef idx="0">
+            <a:schemeClr val="accent1"/>
+          </a:fillRef>
+          <a:effectRef idx="0">
+            <a:schemeClr val="accent1"/>
+          </a:effectRef>
+          <a:fontRef idx="minor">
+            <a:schemeClr val="tx1"/>
+          </a:fontRef>
+        </p:style>
+      </p:cxnSp>
     </p:spTree>
     <p:extLst>
       <p:ext uri="{BB962C8B-B14F-4D97-AF65-F5344CB8AC3E}">
@@ -35436,6 +36607,89 @@
   <p:clrMapOvr>
     <a:masterClrMapping/>
   </p:clrMapOvr>
+  <p:timing>
+    <p:tnLst>
+      <p:par>
+        <p:cTn id="1" dur="indefinite" restart="never" nodeType="tmRoot">
+          <p:childTnLst>
+            <p:seq concurrent="1" nextAc="seek">
+              <p:cTn id="2" dur="indefinite" nodeType="mainSeq">
+                <p:childTnLst>
+                  <p:par>
+                    <p:cTn id="3" fill="hold">
+                      <p:stCondLst>
+                        <p:cond delay="indefinite"/>
+                      </p:stCondLst>
+                      <p:childTnLst>
+                        <p:par>
+                          <p:cTn id="4" fill="hold">
+                            <p:stCondLst>
+                              <p:cond delay="0"/>
+                            </p:stCondLst>
+                            <p:childTnLst>
+                              <p:par>
+                                <p:cTn id="5" presetID="10" presetClass="entr" presetSubtype="0" fill="hold" nodeType="clickEffect">
+                                  <p:stCondLst>
+                                    <p:cond delay="0"/>
+                                  </p:stCondLst>
+                                  <p:childTnLst>
+                                    <p:set>
+                                      <p:cBhvr>
+                                        <p:cTn id="6" dur="1" fill="hold">
+                                          <p:stCondLst>
+                                            <p:cond delay="0"/>
+                                          </p:stCondLst>
+                                        </p:cTn>
+                                        <p:tgtEl>
+                                          <p:spTgt spid="15"/>
+                                        </p:tgtEl>
+                                        <p:attrNameLst>
+                                          <p:attrName>style.visibility</p:attrName>
+                                        </p:attrNameLst>
+                                      </p:cBhvr>
+                                      <p:to>
+                                        <p:strVal val="visible"/>
+                                      </p:to>
+                                    </p:set>
+                                    <p:animEffect transition="in" filter="fade">
+                                      <p:cBhvr>
+                                        <p:cTn id="7" dur="500"/>
+                                        <p:tgtEl>
+                                          <p:spTgt spid="15"/>
+                                        </p:tgtEl>
+                                      </p:cBhvr>
+                                    </p:animEffect>
+                                  </p:childTnLst>
+                                </p:cTn>
+                              </p:par>
+                            </p:childTnLst>
+                          </p:cTn>
+                        </p:par>
+                      </p:childTnLst>
+                    </p:cTn>
+                  </p:par>
+                </p:childTnLst>
+              </p:cTn>
+              <p:prevCondLst>
+                <p:cond evt="onPrev" delay="0">
+                  <p:tgtEl>
+                    <p:sldTgt/>
+                  </p:tgtEl>
+                </p:cond>
+              </p:prevCondLst>
+              <p:nextCondLst>
+                <p:cond evt="onNext" delay="0">
+                  <p:tgtEl>
+                    <p:sldTgt/>
+                  </p:tgtEl>
+                </p:cond>
+              </p:nextCondLst>
+            </p:seq>
+          </p:childTnLst>
+        </p:cTn>
+      </p:par>
+    </p:tnLst>
+  </p:timing>
 </p:sld>
 </file>
 
